--- a/spring_framework/spring_framework_v1.0.pptx
+++ b/spring_framework/spring_framework_v1.0.pptx
@@ -203,7 +203,7 @@
           <a:p>
             <a:fld id="{2F409928-B102-49DA-BC3F-B1429420C51E}" type="datetimeFigureOut">
               <a:rPr lang="zh-CN" altLang="en-US" smtClean="0"/>
-              <a:t>2018/7/22</a:t>
+              <a:t>2019/2/13</a:t>
             </a:fld>
             <a:endParaRPr lang="zh-CN" altLang="en-US"/>
           </a:p>
@@ -599,7 +599,7 @@
           <a:p>
             <a:fld id="{D78CB7DF-692C-4B0D-A779-6487DB63A4DC}" type="datetimeFigureOut">
               <a:rPr lang="zh-CN" altLang="en-US" smtClean="0"/>
-              <a:t>2018/7/22</a:t>
+              <a:t>2019/2/13</a:t>
             </a:fld>
             <a:endParaRPr lang="zh-CN" altLang="en-US"/>
           </a:p>
@@ -767,7 +767,7 @@
           <a:p>
             <a:fld id="{D78CB7DF-692C-4B0D-A779-6487DB63A4DC}" type="datetimeFigureOut">
               <a:rPr lang="zh-CN" altLang="en-US" smtClean="0"/>
-              <a:t>2018/7/22</a:t>
+              <a:t>2019/2/13</a:t>
             </a:fld>
             <a:endParaRPr lang="zh-CN" altLang="en-US"/>
           </a:p>
@@ -945,7 +945,7 @@
           <a:p>
             <a:fld id="{D78CB7DF-692C-4B0D-A779-6487DB63A4DC}" type="datetimeFigureOut">
               <a:rPr lang="zh-CN" altLang="en-US" smtClean="0"/>
-              <a:t>2018/7/22</a:t>
+              <a:t>2019/2/13</a:t>
             </a:fld>
             <a:endParaRPr lang="zh-CN" altLang="en-US"/>
           </a:p>
@@ -1179,7 +1179,7 @@
           <a:p>
             <a:fld id="{D78CB7DF-692C-4B0D-A779-6487DB63A4DC}" type="datetimeFigureOut">
               <a:rPr lang="zh-CN" altLang="en-US" smtClean="0"/>
-              <a:t>2018/7/22</a:t>
+              <a:t>2019/2/13</a:t>
             </a:fld>
             <a:endParaRPr lang="zh-CN" altLang="en-US"/>
           </a:p>
@@ -1424,7 +1424,7 @@
           <a:p>
             <a:fld id="{D78CB7DF-692C-4B0D-A779-6487DB63A4DC}" type="datetimeFigureOut">
               <a:rPr lang="zh-CN" altLang="en-US" smtClean="0"/>
-              <a:t>2018/7/22</a:t>
+              <a:t>2019/2/13</a:t>
             </a:fld>
             <a:endParaRPr lang="zh-CN" altLang="en-US"/>
           </a:p>
@@ -1653,7 +1653,7 @@
           <a:p>
             <a:fld id="{D78CB7DF-692C-4B0D-A779-6487DB63A4DC}" type="datetimeFigureOut">
               <a:rPr lang="zh-CN" altLang="en-US" smtClean="0"/>
-              <a:t>2018/7/22</a:t>
+              <a:t>2019/2/13</a:t>
             </a:fld>
             <a:endParaRPr lang="zh-CN" altLang="en-US"/>
           </a:p>
@@ -2017,7 +2017,7 @@
           <a:p>
             <a:fld id="{D78CB7DF-692C-4B0D-A779-6487DB63A4DC}" type="datetimeFigureOut">
               <a:rPr lang="zh-CN" altLang="en-US" smtClean="0"/>
-              <a:t>2018/7/22</a:t>
+              <a:t>2019/2/13</a:t>
             </a:fld>
             <a:endParaRPr lang="zh-CN" altLang="en-US"/>
           </a:p>
@@ -2134,7 +2134,7 @@
           <a:p>
             <a:fld id="{D78CB7DF-692C-4B0D-A779-6487DB63A4DC}" type="datetimeFigureOut">
               <a:rPr lang="zh-CN" altLang="en-US" smtClean="0"/>
-              <a:t>2018/7/22</a:t>
+              <a:t>2019/2/13</a:t>
             </a:fld>
             <a:endParaRPr lang="zh-CN" altLang="en-US"/>
           </a:p>
@@ -2229,7 +2229,7 @@
           <a:p>
             <a:fld id="{D78CB7DF-692C-4B0D-A779-6487DB63A4DC}" type="datetimeFigureOut">
               <a:rPr lang="zh-CN" altLang="en-US" smtClean="0"/>
-              <a:t>2018/7/22</a:t>
+              <a:t>2019/2/13</a:t>
             </a:fld>
             <a:endParaRPr lang="zh-CN" altLang="en-US"/>
           </a:p>
@@ -2504,7 +2504,7 @@
           <a:p>
             <a:fld id="{D78CB7DF-692C-4B0D-A779-6487DB63A4DC}" type="datetimeFigureOut">
               <a:rPr lang="zh-CN" altLang="en-US" smtClean="0"/>
-              <a:t>2018/7/22</a:t>
+              <a:t>2019/2/13</a:t>
             </a:fld>
             <a:endParaRPr lang="zh-CN" altLang="en-US"/>
           </a:p>
@@ -2756,7 +2756,7 @@
           <a:p>
             <a:fld id="{D78CB7DF-692C-4B0D-A779-6487DB63A4DC}" type="datetimeFigureOut">
               <a:rPr lang="zh-CN" altLang="en-US" smtClean="0"/>
-              <a:t>2018/7/22</a:t>
+              <a:t>2019/2/13</a:t>
             </a:fld>
             <a:endParaRPr lang="zh-CN" altLang="en-US"/>
           </a:p>
@@ -2967,7 +2967,7 @@
           <a:p>
             <a:fld id="{D78CB7DF-692C-4B0D-A779-6487DB63A4DC}" type="datetimeFigureOut">
               <a:rPr lang="zh-CN" altLang="en-US" smtClean="0"/>
-              <a:t>2018/7/22</a:t>
+              <a:t>2019/2/13</a:t>
             </a:fld>
             <a:endParaRPr lang="zh-CN" altLang="en-US"/>
           </a:p>
